--- a/Sequential recommendations.pptx
+++ b/Sequential recommendations.pptx
@@ -108,6 +108,11 @@
       </a:defRPr>
     </a:lvl9pPr>
   </p:defaultTextStyle>
+  <p:extLst>
+    <p:ext uri="{EFAFB233-063F-42B5-8137-9DF3F51BA10A}">
+      <p15:sldGuideLst xmlns:p15="http://schemas.microsoft.com/office/powerpoint/2012/main"/>
+    </p:ext>
+  </p:extLst>
 </p:presentation>
 </file>
 
@@ -258,7 +263,7 @@
           <a:p>
             <a:fld id="{CD917870-DE10-4F90-9DE3-0D6E3DE9B715}" type="datetimeFigureOut">
               <a:rPr lang="fi-FI" smtClean="0"/>
-              <a:t>24.11.2023</a:t>
+              <a:t>25.11.2023</a:t>
             </a:fld>
             <a:endParaRPr lang="fi-FI"/>
           </a:p>
@@ -456,7 +461,7 @@
           <a:p>
             <a:fld id="{CD917870-DE10-4F90-9DE3-0D6E3DE9B715}" type="datetimeFigureOut">
               <a:rPr lang="fi-FI" smtClean="0"/>
-              <a:t>24.11.2023</a:t>
+              <a:t>25.11.2023</a:t>
             </a:fld>
             <a:endParaRPr lang="fi-FI"/>
           </a:p>
@@ -664,7 +669,7 @@
           <a:p>
             <a:fld id="{CD917870-DE10-4F90-9DE3-0D6E3DE9B715}" type="datetimeFigureOut">
               <a:rPr lang="fi-FI" smtClean="0"/>
-              <a:t>24.11.2023</a:t>
+              <a:t>25.11.2023</a:t>
             </a:fld>
             <a:endParaRPr lang="fi-FI"/>
           </a:p>
@@ -862,7 +867,7 @@
           <a:p>
             <a:fld id="{CD917870-DE10-4F90-9DE3-0D6E3DE9B715}" type="datetimeFigureOut">
               <a:rPr lang="fi-FI" smtClean="0"/>
-              <a:t>24.11.2023</a:t>
+              <a:t>25.11.2023</a:t>
             </a:fld>
             <a:endParaRPr lang="fi-FI"/>
           </a:p>
@@ -1137,7 +1142,7 @@
           <a:p>
             <a:fld id="{CD917870-DE10-4F90-9DE3-0D6E3DE9B715}" type="datetimeFigureOut">
               <a:rPr lang="fi-FI" smtClean="0"/>
-              <a:t>24.11.2023</a:t>
+              <a:t>25.11.2023</a:t>
             </a:fld>
             <a:endParaRPr lang="fi-FI"/>
           </a:p>
@@ -1402,7 +1407,7 @@
           <a:p>
             <a:fld id="{CD917870-DE10-4F90-9DE3-0D6E3DE9B715}" type="datetimeFigureOut">
               <a:rPr lang="fi-FI" smtClean="0"/>
-              <a:t>24.11.2023</a:t>
+              <a:t>25.11.2023</a:t>
             </a:fld>
             <a:endParaRPr lang="fi-FI"/>
           </a:p>
@@ -1814,7 +1819,7 @@
           <a:p>
             <a:fld id="{CD917870-DE10-4F90-9DE3-0D6E3DE9B715}" type="datetimeFigureOut">
               <a:rPr lang="fi-FI" smtClean="0"/>
-              <a:t>24.11.2023</a:t>
+              <a:t>25.11.2023</a:t>
             </a:fld>
             <a:endParaRPr lang="fi-FI"/>
           </a:p>
@@ -1955,7 +1960,7 @@
           <a:p>
             <a:fld id="{CD917870-DE10-4F90-9DE3-0D6E3DE9B715}" type="datetimeFigureOut">
               <a:rPr lang="fi-FI" smtClean="0"/>
-              <a:t>24.11.2023</a:t>
+              <a:t>25.11.2023</a:t>
             </a:fld>
             <a:endParaRPr lang="fi-FI"/>
           </a:p>
@@ -2068,7 +2073,7 @@
           <a:p>
             <a:fld id="{CD917870-DE10-4F90-9DE3-0D6E3DE9B715}" type="datetimeFigureOut">
               <a:rPr lang="fi-FI" smtClean="0"/>
-              <a:t>24.11.2023</a:t>
+              <a:t>25.11.2023</a:t>
             </a:fld>
             <a:endParaRPr lang="fi-FI"/>
           </a:p>
@@ -2379,7 +2384,7 @@
           <a:p>
             <a:fld id="{CD917870-DE10-4F90-9DE3-0D6E3DE9B715}" type="datetimeFigureOut">
               <a:rPr lang="fi-FI" smtClean="0"/>
-              <a:t>24.11.2023</a:t>
+              <a:t>25.11.2023</a:t>
             </a:fld>
             <a:endParaRPr lang="fi-FI"/>
           </a:p>
@@ -2667,7 +2672,7 @@
           <a:p>
             <a:fld id="{CD917870-DE10-4F90-9DE3-0D6E3DE9B715}" type="datetimeFigureOut">
               <a:rPr lang="fi-FI" smtClean="0"/>
-              <a:t>24.11.2023</a:t>
+              <a:t>25.11.2023</a:t>
             </a:fld>
             <a:endParaRPr lang="fi-FI"/>
           </a:p>
@@ -2908,7 +2913,7 @@
           <a:p>
             <a:fld id="{CD917870-DE10-4F90-9DE3-0D6E3DE9B715}" type="datetimeFigureOut">
               <a:rPr lang="fi-FI" smtClean="0"/>
-              <a:t>24.11.2023</a:t>
+              <a:t>25.11.2023</a:t>
             </a:fld>
             <a:endParaRPr lang="fi-FI"/>
           </a:p>
@@ -3327,48 +3332,6 @@
       </p:grpSpPr>
       <p:sp>
         <p:nvSpPr>
-          <p:cNvPr id="2" name="Otsikko 1">
-            <a:extLst>
-              <a:ext uri="{FF2B5EF4-FFF2-40B4-BE49-F238E27FC236}">
-                <a16:creationId xmlns:a16="http://schemas.microsoft.com/office/drawing/2014/main" id="{4500E453-C947-A284-07CB-34DE390F7FA0}"/>
-              </a:ext>
-            </a:extLst>
-          </p:cNvPr>
-          <p:cNvSpPr>
-            <a:spLocks noGrp="1"/>
-          </p:cNvSpPr>
-          <p:nvPr>
-            <p:ph type="ctrTitle"/>
-          </p:nvPr>
-        </p:nvSpPr>
-        <p:spPr>
-          <a:xfrm>
-            <a:off x="1524000" y="1122363"/>
-            <a:ext cx="9144000" cy="2387600"/>
-          </a:xfrm>
-        </p:spPr>
-        <p:txBody>
-          <a:bodyPr/>
-          <a:lstStyle/>
-          <a:p>
-            <a:r>
-              <a:rPr lang="fi-FI" dirty="0" err="1"/>
-              <a:t>Sequential</a:t>
-            </a:r>
-            <a:r>
-              <a:rPr lang="fi-FI" dirty="0"/>
-              <a:t> </a:t>
-            </a:r>
-            <a:r>
-              <a:rPr lang="fi-FI" dirty="0" err="1"/>
-              <a:t>recommendations</a:t>
-            </a:r>
-            <a:endParaRPr lang="fi-FI" dirty="0"/>
-          </a:p>
-        </p:txBody>
-      </p:sp>
-      <p:sp>
-        <p:nvSpPr>
           <p:cNvPr id="3" name="Alaotsikko 2">
             <a:extLst>
               <a:ext uri="{FF2B5EF4-FFF2-40B4-BE49-F238E27FC236}">
@@ -3460,8 +3423,16 @@
           </a:lstStyle>
           <a:p>
             <a:r>
-              <a:rPr lang="fi-FI"/>
-              <a:t>Sequential recommendations</a:t>
+              <a:rPr lang="fi-FI" dirty="0" err="1"/>
+              <a:t>Sequential</a:t>
+            </a:r>
+            <a:r>
+              <a:rPr lang="fi-FI" dirty="0"/>
+              <a:t> </a:t>
+            </a:r>
+            <a:r>
+              <a:rPr lang="fi-FI" dirty="0" err="1"/>
+              <a:t>recommendations</a:t>
             </a:r>
             <a:endParaRPr lang="fi-FI" dirty="0"/>
           </a:p>
